--- a/project.pptx
+++ b/project.pptx
@@ -1126,6 +1126,13 @@
         </dgm:presLayoutVars>
       </dgm:prSet>
       <dgm:spPr/>
+      <dgm:t>
+        <a:bodyPr/>
+        <a:lstStyle/>
+        <a:p>
+          <a:endParaRPr lang="en-US"/>
+        </a:p>
+      </dgm:t>
     </dgm:pt>
     <dgm:pt modelId="{8352498C-2A6C-41A5-928F-F4626FE33FC2}" type="pres">
       <dgm:prSet presAssocID="{C08A290F-8878-49B2-9698-6165FDFD704D}" presName="hierRoot1" presStyleCnt="0">
@@ -1157,6 +1164,13 @@
     <dgm:pt modelId="{EA61BE3D-8EF2-4F2A-9C5B-000C12E453AD}" type="pres">
       <dgm:prSet presAssocID="{C08A290F-8878-49B2-9698-6165FDFD704D}" presName="rootConnector1" presStyleLbl="node1" presStyleIdx="0" presStyleCnt="0"/>
       <dgm:spPr/>
+      <dgm:t>
+        <a:bodyPr/>
+        <a:lstStyle/>
+        <a:p>
+          <a:endParaRPr lang="en-US"/>
+        </a:p>
+      </dgm:t>
     </dgm:pt>
     <dgm:pt modelId="{76963B0E-3700-4FA2-912C-23C78EFFAD24}" type="pres">
       <dgm:prSet presAssocID="{C08A290F-8878-49B2-9698-6165FDFD704D}" presName="hierChild2" presStyleCnt="0"/>
@@ -1165,6 +1179,13 @@
     <dgm:pt modelId="{C77E7567-978F-42F2-BF0F-E9D389CBB707}" type="pres">
       <dgm:prSet presAssocID="{AE1180C9-AB0F-43B6-9920-3EB1F4C71BF7}" presName="Name37" presStyleLbl="parChTrans1D2" presStyleIdx="0" presStyleCnt="2"/>
       <dgm:spPr/>
+      <dgm:t>
+        <a:bodyPr/>
+        <a:lstStyle/>
+        <a:p>
+          <a:endParaRPr lang="en-US"/>
+        </a:p>
+      </dgm:t>
     </dgm:pt>
     <dgm:pt modelId="{E930C854-267B-4A23-9126-0B8AD6AA5B2E}" type="pres">
       <dgm:prSet presAssocID="{6A749929-167B-4DFB-A8BB-AFD4BAC17FDD}" presName="hierRoot2" presStyleCnt="0">
@@ -1196,6 +1217,13 @@
     <dgm:pt modelId="{C1F68606-8E0B-45E5-8842-CA187B528DEF}" type="pres">
       <dgm:prSet presAssocID="{6A749929-167B-4DFB-A8BB-AFD4BAC17FDD}" presName="rootConnector" presStyleLbl="node2" presStyleIdx="0" presStyleCnt="2"/>
       <dgm:spPr/>
+      <dgm:t>
+        <a:bodyPr/>
+        <a:lstStyle/>
+        <a:p>
+          <a:endParaRPr lang="en-US"/>
+        </a:p>
+      </dgm:t>
     </dgm:pt>
     <dgm:pt modelId="{79188CD8-C349-49D6-8619-251E3CC11224}" type="pres">
       <dgm:prSet presAssocID="{6A749929-167B-4DFB-A8BB-AFD4BAC17FDD}" presName="hierChild4" presStyleCnt="0"/>
@@ -1208,6 +1236,13 @@
     <dgm:pt modelId="{5A8780BD-2CF2-4D78-9A59-F6F7A7340E45}" type="pres">
       <dgm:prSet presAssocID="{62E827C3-F670-49D8-BD95-9440D2CD305A}" presName="Name37" presStyleLbl="parChTrans1D2" presStyleIdx="1" presStyleCnt="2"/>
       <dgm:spPr/>
+      <dgm:t>
+        <a:bodyPr/>
+        <a:lstStyle/>
+        <a:p>
+          <a:endParaRPr lang="en-US"/>
+        </a:p>
+      </dgm:t>
     </dgm:pt>
     <dgm:pt modelId="{B457EB23-A5F2-4823-81E7-252558B0D2B1}" type="pres">
       <dgm:prSet presAssocID="{D993AA76-D0D4-4555-A9E9-3FF963809B12}" presName="hierRoot2" presStyleCnt="0">
@@ -1239,6 +1274,13 @@
     <dgm:pt modelId="{490592DD-50C2-497E-897C-382FCFD9C1C0}" type="pres">
       <dgm:prSet presAssocID="{D993AA76-D0D4-4555-A9E9-3FF963809B12}" presName="rootConnector" presStyleLbl="node2" presStyleIdx="1" presStyleCnt="2"/>
       <dgm:spPr/>
+      <dgm:t>
+        <a:bodyPr/>
+        <a:lstStyle/>
+        <a:p>
+          <a:endParaRPr lang="en-US"/>
+        </a:p>
+      </dgm:t>
     </dgm:pt>
     <dgm:pt modelId="{60E00A67-3BC3-42D7-B866-122F45C0AD33}" type="pres">
       <dgm:prSet presAssocID="{D993AA76-D0D4-4555-A9E9-3FF963809B12}" presName="hierChild4" presStyleCnt="0"/>
@@ -1254,18 +1296,18 @@
     </dgm:pt>
   </dgm:ptLst>
   <dgm:cxnLst>
+    <dgm:cxn modelId="{83242B2C-1CE7-4781-8DD1-8A4FEFC23303}" type="presOf" srcId="{6A749929-167B-4DFB-A8BB-AFD4BAC17FDD}" destId="{1B85F879-9B91-4F73-A44F-FB2825000CEC}" srcOrd="0" destOrd="0" presId="urn:microsoft.com/office/officeart/2005/8/layout/orgChart1"/>
+    <dgm:cxn modelId="{B7BE32A0-D6E9-455F-991D-A8F8214B0C44}" srcId="{C08A290F-8878-49B2-9698-6165FDFD704D}" destId="{D993AA76-D0D4-4555-A9E9-3FF963809B12}" srcOrd="1" destOrd="0" parTransId="{62E827C3-F670-49D8-BD95-9440D2CD305A}" sibTransId="{F0DBCE49-1B00-4F4A-A47A-E741C2FC3C02}"/>
+    <dgm:cxn modelId="{7CDD53E9-CF6E-4A4C-AF8B-2DCFF2C89615}" type="presOf" srcId="{D993AA76-D0D4-4555-A9E9-3FF963809B12}" destId="{490592DD-50C2-497E-897C-382FCFD9C1C0}" srcOrd="1" destOrd="0" presId="urn:microsoft.com/office/officeart/2005/8/layout/orgChart1"/>
+    <dgm:cxn modelId="{81B2C8D1-5BFB-49D8-96A3-54C6E8A46F0B}" srcId="{E496FFBD-C8B5-4731-AA49-027F3054ED22}" destId="{C08A290F-8878-49B2-9698-6165FDFD704D}" srcOrd="0" destOrd="0" parTransId="{63367927-E1CA-48A9-9374-63AC7567E29F}" sibTransId="{5388EEC8-F9F6-4982-B005-28DF86012C95}"/>
+    <dgm:cxn modelId="{AED870C7-5533-4F25-96C5-BA006B15B8EC}" type="presOf" srcId="{6A749929-167B-4DFB-A8BB-AFD4BAC17FDD}" destId="{C1F68606-8E0B-45E5-8842-CA187B528DEF}" srcOrd="1" destOrd="0" presId="urn:microsoft.com/office/officeart/2005/8/layout/orgChart1"/>
+    <dgm:cxn modelId="{66126B94-C835-4508-BFB1-26AC3108A29D}" srcId="{C08A290F-8878-49B2-9698-6165FDFD704D}" destId="{6A749929-167B-4DFB-A8BB-AFD4BAC17FDD}" srcOrd="0" destOrd="0" parTransId="{AE1180C9-AB0F-43B6-9920-3EB1F4C71BF7}" sibTransId="{38F6745E-1091-4C59-86DA-C304AC919F6C}"/>
+    <dgm:cxn modelId="{2692E794-28B2-4978-A83F-B184DF049C3D}" type="presOf" srcId="{62E827C3-F670-49D8-BD95-9440D2CD305A}" destId="{5A8780BD-2CF2-4D78-9A59-F6F7A7340E45}" srcOrd="0" destOrd="0" presId="urn:microsoft.com/office/officeart/2005/8/layout/orgChart1"/>
     <dgm:cxn modelId="{2C752840-3772-4448-B7E8-8B0848C431DB}" type="presOf" srcId="{E496FFBD-C8B5-4731-AA49-027F3054ED22}" destId="{60A3943F-009A-46DB-B67D-B60F8376D63C}" srcOrd="0" destOrd="0" presId="urn:microsoft.com/office/officeart/2005/8/layout/orgChart1"/>
-    <dgm:cxn modelId="{B7BE32A0-D6E9-455F-991D-A8F8214B0C44}" srcId="{C08A290F-8878-49B2-9698-6165FDFD704D}" destId="{D993AA76-D0D4-4555-A9E9-3FF963809B12}" srcOrd="1" destOrd="0" parTransId="{62E827C3-F670-49D8-BD95-9440D2CD305A}" sibTransId="{F0DBCE49-1B00-4F4A-A47A-E741C2FC3C02}"/>
     <dgm:cxn modelId="{F4C8A5A8-F211-4009-827C-8798C0CDF7C4}" type="presOf" srcId="{C08A290F-8878-49B2-9698-6165FDFD704D}" destId="{E11360E2-B285-4EA7-A007-7BC1D5AB206F}" srcOrd="0" destOrd="0" presId="urn:microsoft.com/office/officeart/2005/8/layout/orgChart1"/>
-    <dgm:cxn modelId="{7CDD53E9-CF6E-4A4C-AF8B-2DCFF2C89615}" type="presOf" srcId="{D993AA76-D0D4-4555-A9E9-3FF963809B12}" destId="{490592DD-50C2-497E-897C-382FCFD9C1C0}" srcOrd="1" destOrd="0" presId="urn:microsoft.com/office/officeart/2005/8/layout/orgChart1"/>
-    <dgm:cxn modelId="{83242B2C-1CE7-4781-8DD1-8A4FEFC23303}" type="presOf" srcId="{6A749929-167B-4DFB-A8BB-AFD4BAC17FDD}" destId="{1B85F879-9B91-4F73-A44F-FB2825000CEC}" srcOrd="0" destOrd="0" presId="urn:microsoft.com/office/officeart/2005/8/layout/orgChart1"/>
-    <dgm:cxn modelId="{2692E794-28B2-4978-A83F-B184DF049C3D}" type="presOf" srcId="{62E827C3-F670-49D8-BD95-9440D2CD305A}" destId="{5A8780BD-2CF2-4D78-9A59-F6F7A7340E45}" srcOrd="0" destOrd="0" presId="urn:microsoft.com/office/officeart/2005/8/layout/orgChart1"/>
+    <dgm:cxn modelId="{6943B8B9-4402-416E-9E85-D32DCA2961D7}" type="presOf" srcId="{AE1180C9-AB0F-43B6-9920-3EB1F4C71BF7}" destId="{C77E7567-978F-42F2-BF0F-E9D389CBB707}" srcOrd="0" destOrd="0" presId="urn:microsoft.com/office/officeart/2005/8/layout/orgChart1"/>
     <dgm:cxn modelId="{CE1EBFA9-F9D7-4BEF-BC73-ED2CB1798CEC}" type="presOf" srcId="{C08A290F-8878-49B2-9698-6165FDFD704D}" destId="{EA61BE3D-8EF2-4F2A-9C5B-000C12E453AD}" srcOrd="1" destOrd="0" presId="urn:microsoft.com/office/officeart/2005/8/layout/orgChart1"/>
-    <dgm:cxn modelId="{6943B8B9-4402-416E-9E85-D32DCA2961D7}" type="presOf" srcId="{AE1180C9-AB0F-43B6-9920-3EB1F4C71BF7}" destId="{C77E7567-978F-42F2-BF0F-E9D389CBB707}" srcOrd="0" destOrd="0" presId="urn:microsoft.com/office/officeart/2005/8/layout/orgChart1"/>
     <dgm:cxn modelId="{476333BB-1CE8-45E1-8DDD-B4BAFF2F9A39}" type="presOf" srcId="{D993AA76-D0D4-4555-A9E9-3FF963809B12}" destId="{50383622-A347-4DC9-BCEC-13896F5B15CD}" srcOrd="0" destOrd="0" presId="urn:microsoft.com/office/officeart/2005/8/layout/orgChart1"/>
-    <dgm:cxn modelId="{AED870C7-5533-4F25-96C5-BA006B15B8EC}" type="presOf" srcId="{6A749929-167B-4DFB-A8BB-AFD4BAC17FDD}" destId="{C1F68606-8E0B-45E5-8842-CA187B528DEF}" srcOrd="1" destOrd="0" presId="urn:microsoft.com/office/officeart/2005/8/layout/orgChart1"/>
-    <dgm:cxn modelId="{81B2C8D1-5BFB-49D8-96A3-54C6E8A46F0B}" srcId="{E496FFBD-C8B5-4731-AA49-027F3054ED22}" destId="{C08A290F-8878-49B2-9698-6165FDFD704D}" srcOrd="0" destOrd="0" parTransId="{63367927-E1CA-48A9-9374-63AC7567E29F}" sibTransId="{5388EEC8-F9F6-4982-B005-28DF86012C95}"/>
-    <dgm:cxn modelId="{66126B94-C835-4508-BFB1-26AC3108A29D}" srcId="{C08A290F-8878-49B2-9698-6165FDFD704D}" destId="{6A749929-167B-4DFB-A8BB-AFD4BAC17FDD}" srcOrd="0" destOrd="0" parTransId="{AE1180C9-AB0F-43B6-9920-3EB1F4C71BF7}" sibTransId="{38F6745E-1091-4C59-86DA-C304AC919F6C}"/>
     <dgm:cxn modelId="{D09906F3-DF88-4857-90EA-13505B5ED077}" type="presParOf" srcId="{60A3943F-009A-46DB-B67D-B60F8376D63C}" destId="{8352498C-2A6C-41A5-928F-F4626FE33FC2}" srcOrd="0" destOrd="0" presId="urn:microsoft.com/office/officeart/2005/8/layout/orgChart1"/>
     <dgm:cxn modelId="{D1D6E2AA-634B-4588-9B4C-77F70C79A46A}" type="presParOf" srcId="{8352498C-2A6C-41A5-928F-F4626FE33FC2}" destId="{6CBBC6AC-935B-4BB4-A995-21C0415257C2}" srcOrd="0" destOrd="0" presId="urn:microsoft.com/office/officeart/2005/8/layout/orgChart1"/>
     <dgm:cxn modelId="{CD17C2C9-9E59-4448-887E-DCC8A51CF493}" type="presParOf" srcId="{6CBBC6AC-935B-4BB4-A995-21C0415257C2}" destId="{E11360E2-B285-4EA7-A007-7BC1D5AB206F}" srcOrd="0" destOrd="0" presId="urn:microsoft.com/office/officeart/2005/8/layout/orgChart1"/>
@@ -4012,7 +4054,7 @@
           <a:p>
             <a:fld id="{4079352B-2D40-4613-BEDF-1A3E7CAA3389}" type="datetimeFigureOut">
               <a:rPr lang="en-US" smtClean="0"/>
-              <a:t>7/22/2018</a:t>
+              <a:t>7/23/2018</a:t>
             </a:fld>
             <a:endParaRPr lang="en-US"/>
           </a:p>
@@ -4563,7 +4605,7 @@
             <a:fld id="{12D24543-DE0D-2249-9D6A-916A21ACF412}" type="datetimeFigureOut">
               <a:rPr lang="en-US" smtClean="0"/>
               <a:pPr/>
-              <a:t>7/22/2018</a:t>
+              <a:t>7/23/2018</a:t>
             </a:fld>
             <a:endParaRPr lang="en-US"/>
           </a:p>
@@ -4681,7 +4723,7 @@
             <a:fld id="{F956F9B4-387C-D346-B378-FCBE2DEF1520}" type="datetimeFigureOut">
               <a:rPr lang="en-US" smtClean="0"/>
               <a:pPr/>
-              <a:t>7/22/2018</a:t>
+              <a:t>7/23/2018</a:t>
             </a:fld>
             <a:endParaRPr lang="en-US"/>
           </a:p>
@@ -4960,7 +5002,7 @@
             <a:fld id="{F956F9B4-387C-D346-B378-FCBE2DEF1520}" type="datetimeFigureOut">
               <a:rPr lang="en-US" smtClean="0"/>
               <a:pPr/>
-              <a:t>7/22/2018</a:t>
+              <a:t>7/23/2018</a:t>
             </a:fld>
             <a:endParaRPr lang="en-US"/>
           </a:p>
@@ -5118,7 +5160,7 @@
             <a:fld id="{F956F9B4-387C-D346-B378-FCBE2DEF1520}" type="datetimeFigureOut">
               <a:rPr lang="en-US" smtClean="0"/>
               <a:pPr/>
-              <a:t>7/22/2018</a:t>
+              <a:t>7/23/2018</a:t>
             </a:fld>
             <a:endParaRPr lang="en-US"/>
           </a:p>
@@ -5266,7 +5308,7 @@
           <a:p>
             <a:fld id="{24534A80-8F0F-8B4A-B1EE-DA8BDE36D262}" type="datetimeFigureOut">
               <a:rPr lang="en-US" smtClean="0"/>
-              <a:t>7/22/2018</a:t>
+              <a:t>7/23/2018</a:t>
             </a:fld>
             <a:endParaRPr lang="en-US"/>
           </a:p>
@@ -5361,7 +5403,7 @@
           <a:p>
             <a:fld id="{24534A80-8F0F-8B4A-B1EE-DA8BDE36D262}" type="datetimeFigureOut">
               <a:rPr lang="en-US" smtClean="0"/>
-              <a:t>7/22/2018</a:t>
+              <a:t>7/23/2018</a:t>
             </a:fld>
             <a:endParaRPr lang="en-US"/>
           </a:p>
@@ -5621,7 +5663,7 @@
             <a:fld id="{F99458C6-6EA7-0747-AD3E-29AE00637213}" type="datetimeFigureOut">
               <a:rPr lang="en-US" smtClean="0"/>
               <a:pPr/>
-              <a:t>7/22/2018</a:t>
+              <a:t>7/23/2018</a:t>
             </a:fld>
             <a:endParaRPr lang="en-US"/>
           </a:p>
@@ -5862,7 +5904,7 @@
             <a:fld id="{F99458C6-6EA7-0747-AD3E-29AE00637213}" type="datetimeFigureOut">
               <a:rPr lang="en-US" smtClean="0"/>
               <a:pPr/>
-              <a:t>7/22/2018</a:t>
+              <a:t>7/23/2018</a:t>
             </a:fld>
             <a:endParaRPr lang="en-US"/>
           </a:p>
@@ -5980,7 +6022,7 @@
             <a:fld id="{F99458C6-6EA7-0747-AD3E-29AE00637213}" type="datetimeFigureOut">
               <a:rPr lang="en-US" smtClean="0"/>
               <a:pPr/>
-              <a:t>7/22/2018</a:t>
+              <a:t>7/23/2018</a:t>
             </a:fld>
             <a:endParaRPr lang="en-US"/>
           </a:p>
@@ -6462,7 +6504,7 @@
             <a:fld id="{F99458C6-6EA7-0747-AD3E-29AE00637213}" type="datetimeFigureOut">
               <a:rPr lang="en-US" smtClean="0"/>
               <a:pPr/>
-              <a:t>7/22/2018</a:t>
+              <a:t>7/23/2018</a:t>
             </a:fld>
             <a:endParaRPr lang="en-US"/>
           </a:p>
@@ -6951,7 +6993,7 @@
             <a:fld id="{F99458C6-6EA7-0747-AD3E-29AE00637213}" type="datetimeFigureOut">
               <a:rPr lang="en-US" smtClean="0"/>
               <a:pPr/>
-              <a:t>7/22/2018</a:t>
+              <a:t>7/23/2018</a:t>
             </a:fld>
             <a:endParaRPr lang="en-US"/>
           </a:p>
@@ -7142,7 +7184,7 @@
             <a:fld id="{12D24543-DE0D-2249-9D6A-916A21ACF412}" type="datetimeFigureOut">
               <a:rPr lang="en-US" smtClean="0"/>
               <a:pPr/>
-              <a:t>7/22/2018</a:t>
+              <a:t>7/23/2018</a:t>
             </a:fld>
             <a:endParaRPr lang="en-US"/>
           </a:p>
@@ -7260,7 +7302,7 @@
             <a:fld id="{F99458C6-6EA7-0747-AD3E-29AE00637213}" type="datetimeFigureOut">
               <a:rPr lang="en-US" smtClean="0"/>
               <a:pPr/>
-              <a:t>7/22/2018</a:t>
+              <a:t>7/23/2018</a:t>
             </a:fld>
             <a:endParaRPr lang="en-US"/>
           </a:p>
@@ -7413,7 +7455,7 @@
             <a:fld id="{F99458C6-6EA7-0747-AD3E-29AE00637213}" type="datetimeFigureOut">
               <a:rPr lang="en-US" smtClean="0"/>
               <a:pPr/>
-              <a:t>7/22/2018</a:t>
+              <a:t>7/23/2018</a:t>
             </a:fld>
             <a:endParaRPr lang="en-US"/>
           </a:p>
@@ -7736,7 +7778,7 @@
             <a:fld id="{F99458C6-6EA7-0747-AD3E-29AE00637213}" type="datetimeFigureOut">
               <a:rPr lang="en-US" smtClean="0"/>
               <a:pPr/>
-              <a:t>7/22/2018</a:t>
+              <a:t>7/23/2018</a:t>
             </a:fld>
             <a:endParaRPr lang="en-US"/>
           </a:p>
@@ -8021,7 +8063,7 @@
             <a:fld id="{F99458C6-6EA7-0747-AD3E-29AE00637213}" type="datetimeFigureOut">
               <a:rPr lang="en-US" smtClean="0"/>
               <a:pPr/>
-              <a:t>7/22/2018</a:t>
+              <a:t>7/23/2018</a:t>
             </a:fld>
             <a:endParaRPr lang="en-US"/>
           </a:p>
@@ -8139,7 +8181,7 @@
             <a:fld id="{F99458C6-6EA7-0747-AD3E-29AE00637213}" type="datetimeFigureOut">
               <a:rPr lang="en-US" smtClean="0"/>
               <a:pPr/>
-              <a:t>7/22/2018</a:t>
+              <a:t>7/23/2018</a:t>
             </a:fld>
             <a:endParaRPr lang="en-US"/>
           </a:p>
@@ -8503,7 +8545,7 @@
             <a:fld id="{F99458C6-6EA7-0747-AD3E-29AE00637213}" type="datetimeFigureOut">
               <a:rPr lang="en-US" smtClean="0"/>
               <a:pPr/>
-              <a:t>7/22/2018</a:t>
+              <a:t>7/23/2018</a:t>
             </a:fld>
             <a:endParaRPr lang="en-US"/>
           </a:p>
@@ -8778,7 +8820,7 @@
             <a:fld id="{F99458C6-6EA7-0747-AD3E-29AE00637213}" type="datetimeFigureOut">
               <a:rPr lang="en-US" smtClean="0"/>
               <a:pPr/>
-              <a:t>7/22/2018</a:t>
+              <a:t>7/23/2018</a:t>
             </a:fld>
             <a:endParaRPr lang="en-US"/>
           </a:p>
@@ -9019,7 +9061,7 @@
             <a:fld id="{F99458C6-6EA7-0747-AD3E-29AE00637213}" type="datetimeFigureOut">
               <a:rPr lang="en-US" smtClean="0"/>
               <a:pPr/>
-              <a:t>7/22/2018</a:t>
+              <a:t>7/23/2018</a:t>
             </a:fld>
             <a:endParaRPr lang="en-US"/>
           </a:p>
@@ -9137,7 +9179,7 @@
             <a:fld id="{F99458C6-6EA7-0747-AD3E-29AE00637213}" type="datetimeFigureOut">
               <a:rPr lang="en-US" smtClean="0"/>
               <a:pPr/>
-              <a:t>7/22/2018</a:t>
+              <a:t>7/23/2018</a:t>
             </a:fld>
             <a:endParaRPr lang="en-US"/>
           </a:p>
@@ -9619,7 +9661,7 @@
             <a:fld id="{F99458C6-6EA7-0747-AD3E-29AE00637213}" type="datetimeFigureOut">
               <a:rPr lang="en-US" smtClean="0"/>
               <a:pPr/>
-              <a:t>7/22/2018</a:t>
+              <a:t>7/23/2018</a:t>
             </a:fld>
             <a:endParaRPr lang="en-US"/>
           </a:p>
@@ -9772,7 +9814,7 @@
             <a:fld id="{12D24543-DE0D-2249-9D6A-916A21ACF412}" type="datetimeFigureOut">
               <a:rPr lang="en-US" smtClean="0"/>
               <a:pPr/>
-              <a:t>7/22/2018</a:t>
+              <a:t>7/23/2018</a:t>
             </a:fld>
             <a:endParaRPr lang="en-US"/>
           </a:p>
@@ -10226,7 +10268,7 @@
             <a:fld id="{F99458C6-6EA7-0747-AD3E-29AE00637213}" type="datetimeFigureOut">
               <a:rPr lang="en-US" smtClean="0"/>
               <a:pPr/>
-              <a:t>7/22/2018</a:t>
+              <a:t>7/23/2018</a:t>
             </a:fld>
             <a:endParaRPr lang="en-US"/>
           </a:p>
@@ -10379,7 +10421,7 @@
             <a:fld id="{F99458C6-6EA7-0747-AD3E-29AE00637213}" type="datetimeFigureOut">
               <a:rPr lang="en-US" smtClean="0"/>
               <a:pPr/>
-              <a:t>7/22/2018</a:t>
+              <a:t>7/23/2018</a:t>
             </a:fld>
             <a:endParaRPr lang="en-US"/>
           </a:p>
@@ -10532,7 +10574,7 @@
             <a:fld id="{F99458C6-6EA7-0747-AD3E-29AE00637213}" type="datetimeFigureOut">
               <a:rPr lang="en-US" smtClean="0"/>
               <a:pPr/>
-              <a:t>7/22/2018</a:t>
+              <a:t>7/23/2018</a:t>
             </a:fld>
             <a:endParaRPr lang="en-US"/>
           </a:p>
@@ -10855,7 +10897,7 @@
             <a:fld id="{F99458C6-6EA7-0747-AD3E-29AE00637213}" type="datetimeFigureOut">
               <a:rPr lang="en-US" smtClean="0"/>
               <a:pPr/>
-              <a:t>7/22/2018</a:t>
+              <a:t>7/23/2018</a:t>
             </a:fld>
             <a:endParaRPr lang="en-US"/>
           </a:p>
@@ -11140,7 +11182,7 @@
             <a:fld id="{F99458C6-6EA7-0747-AD3E-29AE00637213}" type="datetimeFigureOut">
               <a:rPr lang="en-US" smtClean="0"/>
               <a:pPr/>
-              <a:t>7/22/2018</a:t>
+              <a:t>7/23/2018</a:t>
             </a:fld>
             <a:endParaRPr lang="en-US"/>
           </a:p>
@@ -11258,7 +11300,7 @@
             <a:fld id="{F99458C6-6EA7-0747-AD3E-29AE00637213}" type="datetimeFigureOut">
               <a:rPr lang="en-US" smtClean="0"/>
               <a:pPr/>
-              <a:t>7/22/2018</a:t>
+              <a:t>7/23/2018</a:t>
             </a:fld>
             <a:endParaRPr lang="en-US"/>
           </a:p>
@@ -11622,7 +11664,7 @@
             <a:fld id="{F99458C6-6EA7-0747-AD3E-29AE00637213}" type="datetimeFigureOut">
               <a:rPr lang="en-US" smtClean="0"/>
               <a:pPr/>
-              <a:t>7/22/2018</a:t>
+              <a:t>7/23/2018</a:t>
             </a:fld>
             <a:endParaRPr lang="en-US"/>
           </a:p>
@@ -11897,7 +11939,7 @@
             <a:fld id="{BA6CFA1A-A022-D649-8AD9-9F30A5C06CF5}" type="datetimeFigureOut">
               <a:rPr lang="en-US" smtClean="0"/>
               <a:pPr/>
-              <a:t>7/22/2018</a:t>
+              <a:t>7/23/2018</a:t>
             </a:fld>
             <a:endParaRPr lang="en-US"/>
           </a:p>
@@ -12053,7 +12095,7 @@
             <a:fld id="{BA6CFA1A-A022-D649-8AD9-9F30A5C06CF5}" type="datetimeFigureOut">
               <a:rPr lang="en-US" smtClean="0"/>
               <a:pPr/>
-              <a:t>7/22/2018</a:t>
+              <a:t>7/23/2018</a:t>
             </a:fld>
             <a:endParaRPr lang="en-US"/>
           </a:p>
@@ -12171,7 +12213,7 @@
             <a:fld id="{BA6CFA1A-A022-D649-8AD9-9F30A5C06CF5}" type="datetimeFigureOut">
               <a:rPr lang="en-US" smtClean="0"/>
               <a:pPr/>
-              <a:t>7/22/2018</a:t>
+              <a:t>7/23/2018</a:t>
             </a:fld>
             <a:endParaRPr lang="en-US"/>
           </a:p>
@@ -12450,7 +12492,7 @@
             <a:fld id="{3C63FDA4-5734-0949-BDA6-D0D6FDC31663}" type="datetimeFigureOut">
               <a:rPr lang="en-US" smtClean="0"/>
               <a:pPr/>
-              <a:t>7/22/2018</a:t>
+              <a:t>7/23/2018</a:t>
             </a:fld>
             <a:endParaRPr lang="en-US"/>
           </a:p>
@@ -12560,7 +12602,7 @@
           <a:p>
             <a:fld id="{3C63FDA4-5734-0949-BDA6-D0D6FDC31663}" type="datetimeFigureOut">
               <a:rPr lang="en-US" smtClean="0"/>
-              <a:t>7/22/2018</a:t>
+              <a:t>7/23/2018</a:t>
             </a:fld>
             <a:endParaRPr lang="en-US"/>
           </a:p>
@@ -12703,7 +12745,7 @@
             <a:fld id="{3C63FDA4-5734-0949-BDA6-D0D6FDC31663}" type="datetimeFigureOut">
               <a:rPr lang="en-US" smtClean="0"/>
               <a:pPr/>
-              <a:t>7/22/2018</a:t>
+              <a:t>7/23/2018</a:t>
             </a:fld>
             <a:endParaRPr lang="en-US" dirty="0"/>
           </a:p>
@@ -12934,7 +12976,7 @@
             <a:fld id="{12D24543-DE0D-2249-9D6A-916A21ACF412}" type="datetimeFigureOut">
               <a:rPr lang="en-US" smtClean="0"/>
               <a:pPr/>
-              <a:t>7/22/2018</a:t>
+              <a:t>7/23/2018</a:t>
             </a:fld>
             <a:endParaRPr lang="en-US"/>
           </a:p>
@@ -13471,7 +13513,7 @@
           <a:p>
             <a:fld id="{BA6CFA1A-A022-D649-8AD9-9F30A5C06CF5}" type="datetimeFigureOut">
               <a:rPr lang="en-US" smtClean="0"/>
-              <a:t>7/22/2018</a:t>
+              <a:t>7/23/2018</a:t>
             </a:fld>
             <a:endParaRPr lang="en-US"/>
           </a:p>
@@ -14006,7 +14048,7 @@
             <a:fld id="{3C63FDA4-5734-0949-BDA6-D0D6FDC31663}" type="datetimeFigureOut">
               <a:rPr lang="en-US" smtClean="0"/>
               <a:pPr/>
-              <a:t>7/22/2018</a:t>
+              <a:t>7/23/2018</a:t>
             </a:fld>
             <a:endParaRPr lang="en-US"/>
           </a:p>
@@ -14546,7 +14588,7 @@
             <a:fld id="{F956F9B4-387C-D346-B378-FCBE2DEF1520}" type="datetimeFigureOut">
               <a:rPr lang="en-US" smtClean="0"/>
               <a:pPr/>
-              <a:t>7/22/2018</a:t>
+              <a:t>7/23/2018</a:t>
             </a:fld>
             <a:endParaRPr lang="en-US"/>
           </a:p>
@@ -15086,7 +15128,7 @@
             <a:fld id="{24534A80-8F0F-8B4A-B1EE-DA8BDE36D262}" type="datetimeFigureOut">
               <a:rPr lang="en-US" smtClean="0"/>
               <a:pPr/>
-              <a:t>7/22/2018</a:t>
+              <a:t>7/23/2018</a:t>
             </a:fld>
             <a:endParaRPr lang="en-US"/>
           </a:p>
@@ -15625,7 +15667,7 @@
             <a:fld id="{F99458C6-6EA7-0747-AD3E-29AE00637213}" type="datetimeFigureOut">
               <a:rPr lang="en-US" smtClean="0"/>
               <a:pPr/>
-              <a:t>7/22/2018</a:t>
+              <a:t>7/23/2018</a:t>
             </a:fld>
             <a:endParaRPr lang="en-US"/>
           </a:p>
@@ -16173,7 +16215,7 @@
             <a:fld id="{1243CACD-E90F-B945-A583-CAB10D8D8394}" type="datetimeFigureOut">
               <a:rPr lang="en-US" smtClean="0"/>
               <a:pPr/>
-              <a:t>7/22/2018</a:t>
+              <a:t>7/23/2018</a:t>
             </a:fld>
             <a:endParaRPr lang="en-US"/>
           </a:p>
@@ -16609,7 +16651,6 @@
               <a:rPr lang="en-US" dirty="0"/>
               <a:t>Project Presentation</a:t>
             </a:r>
-            <a:endParaRPr lang="en-US" dirty="0"/>
           </a:p>
         </p:txBody>
       </p:sp>
@@ -20085,7 +20126,6 @@
               <a:rPr lang="en-US" dirty="0"/>
               <a:t>Algorithm</a:t>
             </a:r>
-            <a:endParaRPr lang="en-US" dirty="0"/>
           </a:p>
         </p:txBody>
       </p:sp>
@@ -20190,7 +20230,6 @@
               <a:rPr lang="en-US" dirty="0"/>
               <a:t>Linear Search</a:t>
             </a:r>
-            <a:endParaRPr lang="en-US" dirty="0"/>
           </a:p>
         </p:txBody>
       </p:sp>
@@ -21028,35 +21067,54 @@
               <a:t> = </a:t>
             </a:r>
             <a:r>
-              <a:rPr lang="en-US" sz="1500" dirty="0" err="1">
+              <a:rPr lang="en-US" sz="1500" dirty="0" err="1" smtClean="0">
                 <a:latin typeface="Courier New" panose="02070309020205020404" pitchFamily="49" charset="0"/>
                 <a:cs typeface="Courier New" panose="02070309020205020404" pitchFamily="49" charset="0"/>
               </a:rPr>
               <a:t>Files.</a:t>
             </a:r>
             <a:r>
-              <a:rPr lang="en-US" sz="1500" i="1" dirty="0" err="1">
+              <a:rPr lang="en-US" sz="1500" i="1" dirty="0" err="1" smtClean="0">
                 <a:latin typeface="Courier New" panose="02070309020205020404" pitchFamily="49" charset="0"/>
                 <a:cs typeface="Courier New" panose="02070309020205020404" pitchFamily="49" charset="0"/>
               </a:rPr>
               <a:t>readAttributes</a:t>
             </a:r>
             <a:r>
+              <a:rPr lang="en-US" sz="1500" i="1" dirty="0" smtClean="0">
+                <a:latin typeface="Courier New" panose="02070309020205020404" pitchFamily="49" charset="0"/>
+                <a:cs typeface="Courier New" panose="02070309020205020404" pitchFamily="49" charset="0"/>
+              </a:rPr>
+              <a:t>(path,</a:t>
+            </a:r>
+          </a:p>
+          <a:p>
+            <a:pPr marL="0" indent="0">
+              <a:buNone/>
+            </a:pPr>
+            <a:r>
               <a:rPr lang="en-US" sz="1500" i="1" dirty="0">
                 <a:latin typeface="Courier New" panose="02070309020205020404" pitchFamily="49" charset="0"/>
                 <a:cs typeface="Courier New" panose="02070309020205020404" pitchFamily="49" charset="0"/>
               </a:rPr>
-              <a:t>(path, </a:t>
-            </a:r>
-            <a:r>
-              <a:rPr lang="en-US" sz="1500" i="1" dirty="0" err="1">
+              <a:t> </a:t>
+            </a:r>
+            <a:r>
+              <a:rPr lang="en-US" sz="1500" i="1" dirty="0" smtClean="0">
+                <a:latin typeface="Courier New" panose="02070309020205020404" pitchFamily="49" charset="0"/>
+                <a:cs typeface="Courier New" panose="02070309020205020404" pitchFamily="49" charset="0"/>
+              </a:rPr>
+              <a:t>                                      </a:t>
+            </a:r>
+            <a:r>
+              <a:rPr lang="en-US" sz="1500" i="1" dirty="0" err="1" smtClean="0">
                 <a:latin typeface="Courier New" panose="02070309020205020404" pitchFamily="49" charset="0"/>
                 <a:cs typeface="Courier New" panose="02070309020205020404" pitchFamily="49" charset="0"/>
               </a:rPr>
               <a:t>BasicFileAttributes.</a:t>
             </a:r>
             <a:r>
-              <a:rPr lang="en-US" sz="1500" b="1" i="1" dirty="0" err="1">
+              <a:rPr lang="en-US" sz="1500" b="1" i="1" dirty="0" err="1" smtClean="0">
                 <a:solidFill>
                   <a:srgbClr val="FF00FF"/>
                 </a:solidFill>
